--- a/참고/s100 register 애플리케이션 설계.pptx
+++ b/참고/s100 register 애플리케이션 설계.pptx
@@ -784,7 +784,7 @@
           <a:p>
             <a:fld id="{23193BF6-2267-4889-B046-E92AA48DBBA6}" type="datetimeFigureOut">
               <a:rPr lang="ko-KR" altLang="en-US" smtClean="0"/>
-              <a:t>2024-02-13</a:t>
+              <a:t>2024-02-14</a:t>
             </a:fld>
             <a:endParaRPr lang="ko-KR" altLang="en-US"/>
           </a:p>
@@ -982,7 +982,7 @@
           <a:p>
             <a:fld id="{23193BF6-2267-4889-B046-E92AA48DBBA6}" type="datetimeFigureOut">
               <a:rPr lang="ko-KR" altLang="en-US" smtClean="0"/>
-              <a:t>2024-02-13</a:t>
+              <a:t>2024-02-14</a:t>
             </a:fld>
             <a:endParaRPr lang="ko-KR" altLang="en-US"/>
           </a:p>
@@ -1190,7 +1190,7 @@
           <a:p>
             <a:fld id="{23193BF6-2267-4889-B046-E92AA48DBBA6}" type="datetimeFigureOut">
               <a:rPr lang="ko-KR" altLang="en-US" smtClean="0"/>
-              <a:t>2024-02-13</a:t>
+              <a:t>2024-02-14</a:t>
             </a:fld>
             <a:endParaRPr lang="ko-KR" altLang="en-US"/>
           </a:p>
@@ -1388,7 +1388,7 @@
           <a:p>
             <a:fld id="{23193BF6-2267-4889-B046-E92AA48DBBA6}" type="datetimeFigureOut">
               <a:rPr lang="ko-KR" altLang="en-US" smtClean="0"/>
-              <a:t>2024-02-13</a:t>
+              <a:t>2024-02-14</a:t>
             </a:fld>
             <a:endParaRPr lang="ko-KR" altLang="en-US"/>
           </a:p>
@@ -1663,7 +1663,7 @@
           <a:p>
             <a:fld id="{23193BF6-2267-4889-B046-E92AA48DBBA6}" type="datetimeFigureOut">
               <a:rPr lang="ko-KR" altLang="en-US" smtClean="0"/>
-              <a:t>2024-02-13</a:t>
+              <a:t>2024-02-14</a:t>
             </a:fld>
             <a:endParaRPr lang="ko-KR" altLang="en-US"/>
           </a:p>
@@ -1928,7 +1928,7 @@
           <a:p>
             <a:fld id="{23193BF6-2267-4889-B046-E92AA48DBBA6}" type="datetimeFigureOut">
               <a:rPr lang="ko-KR" altLang="en-US" smtClean="0"/>
-              <a:t>2024-02-13</a:t>
+              <a:t>2024-02-14</a:t>
             </a:fld>
             <a:endParaRPr lang="ko-KR" altLang="en-US"/>
           </a:p>
@@ -2340,7 +2340,7 @@
           <a:p>
             <a:fld id="{23193BF6-2267-4889-B046-E92AA48DBBA6}" type="datetimeFigureOut">
               <a:rPr lang="ko-KR" altLang="en-US" smtClean="0"/>
-              <a:t>2024-02-13</a:t>
+              <a:t>2024-02-14</a:t>
             </a:fld>
             <a:endParaRPr lang="ko-KR" altLang="en-US"/>
           </a:p>
@@ -2481,7 +2481,7 @@
           <a:p>
             <a:fld id="{23193BF6-2267-4889-B046-E92AA48DBBA6}" type="datetimeFigureOut">
               <a:rPr lang="ko-KR" altLang="en-US" smtClean="0"/>
-              <a:t>2024-02-13</a:t>
+              <a:t>2024-02-14</a:t>
             </a:fld>
             <a:endParaRPr lang="ko-KR" altLang="en-US"/>
           </a:p>
@@ -2594,7 +2594,7 @@
           <a:p>
             <a:fld id="{23193BF6-2267-4889-B046-E92AA48DBBA6}" type="datetimeFigureOut">
               <a:rPr lang="ko-KR" altLang="en-US" smtClean="0"/>
-              <a:t>2024-02-13</a:t>
+              <a:t>2024-02-14</a:t>
             </a:fld>
             <a:endParaRPr lang="ko-KR" altLang="en-US"/>
           </a:p>
@@ -2905,7 +2905,7 @@
           <a:p>
             <a:fld id="{23193BF6-2267-4889-B046-E92AA48DBBA6}" type="datetimeFigureOut">
               <a:rPr lang="ko-KR" altLang="en-US" smtClean="0"/>
-              <a:t>2024-02-13</a:t>
+              <a:t>2024-02-14</a:t>
             </a:fld>
             <a:endParaRPr lang="ko-KR" altLang="en-US"/>
           </a:p>
@@ -3193,7 +3193,7 @@
           <a:p>
             <a:fld id="{23193BF6-2267-4889-B046-E92AA48DBBA6}" type="datetimeFigureOut">
               <a:rPr lang="ko-KR" altLang="en-US" smtClean="0"/>
-              <a:t>2024-02-13</a:t>
+              <a:t>2024-02-14</a:t>
             </a:fld>
             <a:endParaRPr lang="ko-KR" altLang="en-US"/>
           </a:p>
@@ -3434,7 +3434,7 @@
           <a:p>
             <a:fld id="{23193BF6-2267-4889-B046-E92AA48DBBA6}" type="datetimeFigureOut">
               <a:rPr lang="ko-KR" altLang="en-US" smtClean="0"/>
-              <a:t>2024-02-13</a:t>
+              <a:t>2024-02-14</a:t>
             </a:fld>
             <a:endParaRPr lang="ko-KR" altLang="en-US"/>
           </a:p>
